--- a/dismaths/factorials_and_permutation/factorials and permutations.pptx
+++ b/dismaths/factorials_and_permutation/factorials and permutations.pptx
@@ -219,7 +219,7 @@
           <a:p>
             <a:fld id="{37687F4F-498C-441B-B7CB-59CAE443B792}" type="datetimeFigureOut">
               <a:rPr lang="en-US" smtClean="0"/>
-              <a:t>12/13/2019</a:t>
+              <a:t>13-Feb-21</a:t>
             </a:fld>
             <a:endParaRPr lang="en-US"/>
           </a:p>
@@ -666,7 +666,7 @@
             <a:fld id="{1D8BD707-D9CF-40AE-B4C6-C98DA3205C09}" type="datetimeFigureOut">
               <a:rPr lang="en-US" smtClean="0"/>
               <a:pPr/>
-              <a:t>12/13/2019</a:t>
+              <a:t>13-Feb-21</a:t>
             </a:fld>
             <a:endParaRPr lang="en-US"/>
           </a:p>
@@ -831,7 +831,7 @@
             <a:fld id="{1D8BD707-D9CF-40AE-B4C6-C98DA3205C09}" type="datetimeFigureOut">
               <a:rPr lang="en-US" smtClean="0"/>
               <a:pPr/>
-              <a:t>12/13/2019</a:t>
+              <a:t>13-Feb-21</a:t>
             </a:fld>
             <a:endParaRPr lang="en-US"/>
           </a:p>
@@ -1006,7 +1006,7 @@
             <a:fld id="{1D8BD707-D9CF-40AE-B4C6-C98DA3205C09}" type="datetimeFigureOut">
               <a:rPr lang="en-US" smtClean="0"/>
               <a:pPr/>
-              <a:t>12/13/2019</a:t>
+              <a:t>13-Feb-21</a:t>
             </a:fld>
             <a:endParaRPr lang="en-US"/>
           </a:p>
@@ -1171,7 +1171,7 @@
             <a:fld id="{1D8BD707-D9CF-40AE-B4C6-C98DA3205C09}" type="datetimeFigureOut">
               <a:rPr lang="en-US" smtClean="0"/>
               <a:pPr/>
-              <a:t>12/13/2019</a:t>
+              <a:t>13-Feb-21</a:t>
             </a:fld>
             <a:endParaRPr lang="en-US"/>
           </a:p>
@@ -1413,7 +1413,7 @@
             <a:fld id="{1D8BD707-D9CF-40AE-B4C6-C98DA3205C09}" type="datetimeFigureOut">
               <a:rPr lang="en-US" smtClean="0"/>
               <a:pPr/>
-              <a:t>12/13/2019</a:t>
+              <a:t>13-Feb-21</a:t>
             </a:fld>
             <a:endParaRPr lang="en-US"/>
           </a:p>
@@ -1695,7 +1695,7 @@
             <a:fld id="{1D8BD707-D9CF-40AE-B4C6-C98DA3205C09}" type="datetimeFigureOut">
               <a:rPr lang="en-US" smtClean="0"/>
               <a:pPr/>
-              <a:t>12/13/2019</a:t>
+              <a:t>13-Feb-21</a:t>
             </a:fld>
             <a:endParaRPr lang="en-US"/>
           </a:p>
@@ -2111,7 +2111,7 @@
             <a:fld id="{1D8BD707-D9CF-40AE-B4C6-C98DA3205C09}" type="datetimeFigureOut">
               <a:rPr lang="en-US" smtClean="0"/>
               <a:pPr/>
-              <a:t>12/13/2019</a:t>
+              <a:t>13-Feb-21</a:t>
             </a:fld>
             <a:endParaRPr lang="en-US"/>
           </a:p>
@@ -2225,7 +2225,7 @@
             <a:fld id="{1D8BD707-D9CF-40AE-B4C6-C98DA3205C09}" type="datetimeFigureOut">
               <a:rPr lang="en-US" smtClean="0"/>
               <a:pPr/>
-              <a:t>12/13/2019</a:t>
+              <a:t>13-Feb-21</a:t>
             </a:fld>
             <a:endParaRPr lang="en-US"/>
           </a:p>
@@ -2317,7 +2317,7 @@
             <a:fld id="{1D8BD707-D9CF-40AE-B4C6-C98DA3205C09}" type="datetimeFigureOut">
               <a:rPr lang="en-US" smtClean="0"/>
               <a:pPr/>
-              <a:t>12/13/2019</a:t>
+              <a:t>13-Feb-21</a:t>
             </a:fld>
             <a:endParaRPr lang="en-US"/>
           </a:p>
@@ -2589,7 +2589,7 @@
             <a:fld id="{1D8BD707-D9CF-40AE-B4C6-C98DA3205C09}" type="datetimeFigureOut">
               <a:rPr lang="en-US" smtClean="0"/>
               <a:pPr/>
-              <a:t>12/13/2019</a:t>
+              <a:t>13-Feb-21</a:t>
             </a:fld>
             <a:endParaRPr lang="en-US"/>
           </a:p>
@@ -2838,7 +2838,7 @@
             <a:fld id="{1D8BD707-D9CF-40AE-B4C6-C98DA3205C09}" type="datetimeFigureOut">
               <a:rPr lang="en-US" smtClean="0"/>
               <a:pPr/>
-              <a:t>12/13/2019</a:t>
+              <a:t>13-Feb-21</a:t>
             </a:fld>
             <a:endParaRPr lang="en-US"/>
           </a:p>
@@ -3046,7 +3046,7 @@
             <a:fld id="{1D8BD707-D9CF-40AE-B4C6-C98DA3205C09}" type="datetimeFigureOut">
               <a:rPr lang="en-US" smtClean="0"/>
               <a:pPr/>
-              <a:t>12/13/2019</a:t>
+              <a:t>13-Feb-21</a:t>
             </a:fld>
             <a:endParaRPr lang="en-US"/>
           </a:p>
@@ -3938,8 +3938,8 @@
         </p:nvSpPr>
         <p:spPr>
           <a:xfrm>
-            <a:off x="457200" y="31454"/>
-            <a:ext cx="1600200" cy="5262979"/>
+            <a:off x="381000" y="209550"/>
+            <a:ext cx="2057400" cy="3785652"/>
           </a:xfrm>
           <a:prstGeom prst="rect">
             <a:avLst/>
@@ -14547,8 +14547,8 @@
           </p:sp>
         </mc:Fallback>
       </mc:AlternateContent>
-      <mc:AlternateContent xmlns:mc="http://schemas.openxmlformats.org/markup-compatibility/2006">
-        <mc:Choice xmlns:a14="http://schemas.microsoft.com/office/drawing/2010/main" Requires="a14">
+      <mc:AlternateContent xmlns:mc="http://schemas.openxmlformats.org/markup-compatibility/2006" xmlns:a14="http://schemas.microsoft.com/office/drawing/2010/main">
+        <mc:Choice Requires="a14">
           <p:sp>
             <p:nvSpPr>
               <p:cNvPr id="6" name="TextBox 5">
@@ -14736,16 +14736,7 @@
                               </a:solidFill>
                               <a:latin typeface="Cambria Math" panose="02040503050406030204" pitchFamily="18" charset="0"/>
                             </a:rPr>
-                            <m:t>)</m:t>
-                          </m:r>
-                          <m:r>
-                            <a:rPr lang="en-US" sz="4000" i="1">
-                              <a:solidFill>
-                                <a:srgbClr val="7030A0"/>
-                              </a:solidFill>
-                              <a:latin typeface="Cambria Math" panose="02040503050406030204" pitchFamily="18" charset="0"/>
-                            </a:rPr>
-                            <m:t>!</m:t>
+                            <m:t>)!</m:t>
                           </m:r>
                         </m:den>
                       </m:f>
@@ -14761,7 +14752,7 @@
             </p:txBody>
           </p:sp>
         </mc:Choice>
-        <mc:Fallback>
+        <mc:Fallback xmlns="">
           <p:sp>
             <p:nvSpPr>
               <p:cNvPr id="6" name="TextBox 5">
